--- a/docs/presentation/first-try.pptx
+++ b/docs/presentation/first-try.pptx
@@ -11,8 +11,10 @@
     <p:sldId id="262" r:id="rId5"/>
     <p:sldId id="263" r:id="rId6"/>
     <p:sldId id="264" r:id="rId7"/>
-    <p:sldId id="257" r:id="rId8"/>
-    <p:sldId id="260" r:id="rId9"/>
+    <p:sldId id="265" r:id="rId8"/>
+    <p:sldId id="266" r:id="rId9"/>
+    <p:sldId id="267" r:id="rId10"/>
+    <p:sldId id="268" r:id="rId11"/>
   </p:sldIdLst>
   <p:sldSz cx="11522075" cy="6480175"/>
   <p:notesSz cx="6858000" cy="9144000"/>
@@ -1374,6 +1376,198 @@
 </p:sld>
 </file>
 
+<file path=ppt/slides/slide10.xml><?xml version="1.0" encoding="utf-8"?>
+<p:sld xmlns:a="http://schemas.openxmlformats.org/drawingml/2006/main" xmlns:r="http://schemas.openxmlformats.org/officeDocument/2006/relationships" xmlns:p="http://schemas.openxmlformats.org/presentationml/2006/main">
+  <p:cSld>
+    <p:spTree>
+      <p:nvGrpSpPr>
+        <p:cNvPr id="1" name=""/>
+        <p:cNvGrpSpPr/>
+        <p:nvPr/>
+      </p:nvGrpSpPr>
+      <p:grpSpPr>
+        <a:xfrm>
+          <a:off x="0" y="0"/>
+          <a:ext cx="0" cy="0"/>
+          <a:chOff x="0" y="0"/>
+          <a:chExt cx="0" cy="0"/>
+        </a:xfrm>
+      </p:grpSpPr>
+      <p:sp>
+        <p:nvSpPr>
+          <p:cNvPr id="3" name="Rectangle 3"/>
+          <p:cNvSpPr txBox="1">
+            <a:spLocks noChangeArrowheads="1"/>
+          </p:cNvSpPr>
+          <p:nvPr/>
+        </p:nvSpPr>
+        <p:spPr>
+          <a:xfrm>
+            <a:off x="2144216" y="251969"/>
+            <a:ext cx="9001398" cy="833959"/>
+          </a:xfrm>
+          <a:prstGeom prst="rect">
+            <a:avLst/>
+          </a:prstGeom>
+        </p:spPr>
+        <p:txBody>
+          <a:bodyPr/>
+          <a:lstStyle>
+            <a:lvl1pPr algn="ctr" defTabSz="457200" rtl="0" eaLnBrk="1" latinLnBrk="0" hangingPunct="1">
+              <a:spcBef>
+                <a:spcPct val="0"/>
+              </a:spcBef>
+              <a:buNone/>
+              <a:defRPr sz="4400" kern="1200">
+                <a:solidFill>
+                  <a:schemeClr val="tx1"/>
+                </a:solidFill>
+                <a:latin typeface="+mj-lt"/>
+                <a:ea typeface="+mj-ea"/>
+                <a:cs typeface="+mj-cs"/>
+              </a:defRPr>
+            </a:lvl1pPr>
+          </a:lstStyle>
+          <a:p>
+            <a:pPr algn="l"/>
+            <a:r>
+              <a:rPr lang="en-US" sz="3600" dirty="0" smtClean="0">
+                <a:solidFill>
+                  <a:srgbClr val="00A6D6"/>
+                </a:solidFill>
+                <a:latin typeface="Arial"/>
+                <a:ea typeface="MS PGothic" charset="0"/>
+                <a:cs typeface="Arial"/>
+              </a:rPr>
+              <a:t>Walkthrough</a:t>
+            </a:r>
+            <a:endParaRPr lang="en-US" sz="3600" dirty="0" smtClean="0">
+              <a:solidFill>
+                <a:srgbClr val="00A6D6"/>
+              </a:solidFill>
+              <a:latin typeface="Arial"/>
+              <a:ea typeface="MS PGothic" charset="0"/>
+              <a:cs typeface="Arial"/>
+            </a:endParaRPr>
+          </a:p>
+        </p:txBody>
+      </p:sp>
+      <p:pic>
+        <p:nvPicPr>
+          <p:cNvPr id="4" name="Afbeelding 3" descr="health_informatics_logo copy.jpg"/>
+          <p:cNvPicPr>
+            <a:picLocks noChangeAspect="1"/>
+          </p:cNvPicPr>
+          <p:nvPr/>
+        </p:nvPicPr>
+        <p:blipFill>
+          <a:blip r:embed="rId2">
+            <a:extLst>
+              <a:ext uri="{28A0092B-C50C-407E-A947-70E740481C1C}">
+                <a14:useLocalDpi xmlns:a14="http://schemas.microsoft.com/office/drawing/2010/main" val="0"/>
+              </a:ext>
+            </a:extLst>
+          </a:blip>
+          <a:stretch>
+            <a:fillRect/>
+          </a:stretch>
+        </p:blipFill>
+        <p:spPr>
+          <a:xfrm>
+            <a:off x="9392741" y="5038344"/>
+            <a:ext cx="1778000" cy="1097280"/>
+          </a:xfrm>
+          <a:prstGeom prst="rect">
+            <a:avLst/>
+          </a:prstGeom>
+        </p:spPr>
+      </p:pic>
+      <p:sp>
+        <p:nvSpPr>
+          <p:cNvPr id="2" name="Tekstvak 1"/>
+          <p:cNvSpPr txBox="1"/>
+          <p:nvPr/>
+        </p:nvSpPr>
+        <p:spPr>
+          <a:xfrm>
+            <a:off x="5511800" y="2354134"/>
+            <a:ext cx="2273299" cy="830997"/>
+          </a:xfrm>
+          <a:prstGeom prst="rect">
+            <a:avLst/>
+          </a:prstGeom>
+          <a:noFill/>
+        </p:spPr>
+        <p:txBody>
+          <a:bodyPr wrap="square" rtlCol="0">
+            <a:spAutoFit/>
+            <a:scene3d>
+              <a:camera prst="orthographicFront"/>
+              <a:lightRig rig="brightRoom" dir="t"/>
+            </a:scene3d>
+            <a:sp3d contourW="6350" prstMaterial="plastic">
+              <a:bevelT w="20320" h="20320" prst="angle"/>
+              <a:contourClr>
+                <a:schemeClr val="accent1">
+                  <a:tint val="100000"/>
+                  <a:shade val="100000"/>
+                  <a:hueMod val="100000"/>
+                  <a:satMod val="100000"/>
+                </a:schemeClr>
+              </a:contourClr>
+            </a:sp3d>
+          </a:bodyPr>
+          <a:lstStyle/>
+          <a:p>
+            <a:r>
+              <a:rPr lang="nl-NL" sz="4800" b="1" cap="all" dirty="0" err="1" smtClean="0">
+                <a:ln/>
+                <a:solidFill>
+                  <a:schemeClr val="accent1"/>
+                </a:solidFill>
+                <a:effectLst>
+                  <a:outerShdw blurRad="19685" dist="12700" dir="5400000" algn="tl" rotWithShape="0">
+                    <a:schemeClr val="accent1">
+                      <a:satMod val="130000"/>
+                      <a:alpha val="60000"/>
+                    </a:schemeClr>
+                  </a:outerShdw>
+                  <a:reflection blurRad="10000" stA="55000" endPos="48000" dist="500" dir="5400000" sy="-100000" algn="bl" rotWithShape="0"/>
+                </a:effectLst>
+              </a:rPr>
+              <a:t>Finito</a:t>
+            </a:r>
+            <a:endParaRPr lang="nl-NL" sz="4800" b="1" cap="all" dirty="0">
+              <a:ln/>
+              <a:solidFill>
+                <a:schemeClr val="accent1"/>
+              </a:solidFill>
+              <a:effectLst>
+                <a:outerShdw blurRad="19685" dist="12700" dir="5400000" algn="tl" rotWithShape="0">
+                  <a:schemeClr val="accent1">
+                    <a:satMod val="130000"/>
+                    <a:alpha val="60000"/>
+                  </a:schemeClr>
+                </a:outerShdw>
+                <a:reflection blurRad="10000" stA="55000" endPos="48000" dist="500" dir="5400000" sy="-100000" algn="bl" rotWithShape="0"/>
+              </a:effectLst>
+            </a:endParaRPr>
+          </a:p>
+        </p:txBody>
+      </p:sp>
+    </p:spTree>
+    <p:extLst>
+      <p:ext uri="{BB962C8B-B14F-4D97-AF65-F5344CB8AC3E}">
+        <p14:creationId xmlns:p14="http://schemas.microsoft.com/office/powerpoint/2010/main" val="1726739567"/>
+      </p:ext>
+    </p:extLst>
+  </p:cSld>
+  <p:clrMapOvr>
+    <a:masterClrMapping/>
+  </p:clrMapOvr>
+</p:sld>
+</file>
+
 <file path=ppt/slides/slide2.xml><?xml version="1.0" encoding="utf-8"?>
 <p:sld xmlns:a="http://schemas.openxmlformats.org/drawingml/2006/main" xmlns:r="http://schemas.openxmlformats.org/officeDocument/2006/relationships" xmlns:p="http://schemas.openxmlformats.org/presentationml/2006/main">
   <p:cSld>
@@ -3127,86 +3321,66 @@
       </p:grpSpPr>
       <p:sp>
         <p:nvSpPr>
-          <p:cNvPr id="2" name="Rectangle 1"/>
-          <p:cNvSpPr/>
-          <p:nvPr/>
-        </p:nvSpPr>
-        <p:spPr bwMode="auto">
-          <a:xfrm>
-            <a:off x="-122335" y="-91750"/>
-            <a:ext cx="4752528" cy="1023214"/>
-          </a:xfrm>
-          <a:prstGeom prst="rect">
-            <a:avLst/>
-          </a:prstGeom>
-          <a:solidFill>
-            <a:schemeClr val="bg1"/>
-          </a:solidFill>
-          <a:ln w="9525" cap="flat" cmpd="sng" algn="ctr">
-            <a:noFill/>
-            <a:prstDash val="solid"/>
-            <a:round/>
-            <a:headEnd type="none" w="med" len="med"/>
-            <a:tailEnd type="none" w="med" len="med"/>
-          </a:ln>
-          <a:effectLst/>
-        </p:spPr>
-        <p:txBody>
-          <a:bodyPr vert="horz" wrap="square" lIns="91425" tIns="45712" rIns="91425" bIns="45712" numCol="1" rtlCol="0" anchor="t" anchorCtr="0" compatLnSpc="1">
-            <a:prstTxWarp prst="textNoShape">
-              <a:avLst/>
-            </a:prstTxWarp>
-          </a:bodyPr>
-          <a:lstStyle/>
-          <a:p>
-            <a:pPr defTabSz="914260" eaLnBrk="0" hangingPunct="0"/>
-            <a:endParaRPr lang="en-US" sz="2400">
-              <a:solidFill>
-                <a:schemeClr val="tx1"/>
-              </a:solidFill>
-              <a:latin typeface="Arial" charset="0"/>
-              <a:ea typeface="ＭＳ Ｐゴシック" pitchFamily="1" charset="-128"/>
-            </a:endParaRPr>
-          </a:p>
-        </p:txBody>
-      </p:sp>
-      <p:sp>
-        <p:nvSpPr>
-          <p:cNvPr id="3" name="Rectangle 2"/>
-          <p:cNvSpPr/>
+          <p:cNvPr id="3" name="Rectangle 3"/>
+          <p:cNvSpPr txBox="1">
+            <a:spLocks noChangeArrowheads="1"/>
+          </p:cNvSpPr>
           <p:nvPr/>
         </p:nvSpPr>
         <p:spPr>
           <a:xfrm>
-            <a:off x="829320" y="107434"/>
-            <a:ext cx="4123680" cy="646331"/>
+            <a:off x="2144216" y="251969"/>
+            <a:ext cx="9001398" cy="833959"/>
           </a:xfrm>
           <a:prstGeom prst="rect">
             <a:avLst/>
           </a:prstGeom>
         </p:spPr>
         <p:txBody>
-          <a:bodyPr wrap="square">
-            <a:spAutoFit/>
-          </a:bodyPr>
-          <a:lstStyle/>
-          <a:p>
+          <a:bodyPr/>
+          <a:lstStyle>
+            <a:lvl1pPr algn="ctr" defTabSz="457200" rtl="0" eaLnBrk="1" latinLnBrk="0" hangingPunct="1">
+              <a:spcBef>
+                <a:spcPct val="0"/>
+              </a:spcBef>
+              <a:buNone/>
+              <a:defRPr sz="4400" kern="1200">
+                <a:solidFill>
+                  <a:schemeClr val="tx1"/>
+                </a:solidFill>
+                <a:latin typeface="+mj-lt"/>
+                <a:ea typeface="+mj-ea"/>
+                <a:cs typeface="+mj-cs"/>
+              </a:defRPr>
+            </a:lvl1pPr>
+          </a:lstStyle>
+          <a:p>
+            <a:pPr algn="l"/>
             <a:r>
-              <a:rPr lang="en-US" sz="3600" dirty="0">
+              <a:rPr lang="en-US" sz="3600" dirty="0" smtClean="0">
+                <a:solidFill>
+                  <a:srgbClr val="00A6D6"/>
+                </a:solidFill>
                 <a:latin typeface="Arial"/>
-                <a:ea typeface="ヒラギノ角ゴ ProN W3" charset="0"/>
+                <a:ea typeface="MS PGothic" charset="0"/>
                 <a:cs typeface="Arial"/>
-                <a:sym typeface="Tahoma" charset="0"/>
               </a:rPr>
-              <a:t>Insert a picture </a:t>
+              <a:t>Walkthrough</a:t>
             </a:r>
-            <a:endParaRPr lang="en-US" sz="3600" dirty="0"/>
+            <a:endParaRPr lang="en-US" sz="3600" dirty="0" smtClean="0">
+              <a:solidFill>
+                <a:srgbClr val="00A6D6"/>
+              </a:solidFill>
+              <a:latin typeface="Arial"/>
+              <a:ea typeface="MS PGothic" charset="0"/>
+              <a:cs typeface="Arial"/>
+            </a:endParaRPr>
           </a:p>
         </p:txBody>
       </p:sp>
       <p:pic>
         <p:nvPicPr>
-          <p:cNvPr id="6" name="Afbeelding 8" descr="TUDelft_LogoZWART.eps"/>
+          <p:cNvPr id="4" name="Afbeelding 3" descr="health_informatics_logo copy.jpg"/>
           <p:cNvPicPr>
             <a:picLocks noChangeAspect="1"/>
           </p:cNvPicPr>
@@ -3216,7 +3390,7 @@
           <a:blip r:embed="rId2">
             <a:extLst>
               <a:ext uri="{28A0092B-C50C-407E-A947-70E740481C1C}">
-                <a14:useLocalDpi xmlns:a14="http://schemas.microsoft.com/office/drawing/2010/main"/>
+                <a14:useLocalDpi xmlns:a14="http://schemas.microsoft.com/office/drawing/2010/main" val="0"/>
               </a:ext>
             </a:extLst>
           </a:blip>
@@ -3226,219 +3400,18 @@
         </p:blipFill>
         <p:spPr>
           <a:xfrm>
-            <a:off x="199146" y="5828877"/>
-            <a:ext cx="1104294" cy="430675"/>
+            <a:off x="9392741" y="5038344"/>
+            <a:ext cx="1778000" cy="1097280"/>
           </a:xfrm>
           <a:prstGeom prst="rect">
             <a:avLst/>
           </a:prstGeom>
         </p:spPr>
       </p:pic>
-      <p:sp>
-        <p:nvSpPr>
-          <p:cNvPr id="7" name="TextBox 2"/>
-          <p:cNvSpPr txBox="1">
-            <a:spLocks noChangeArrowheads="1"/>
-          </p:cNvSpPr>
-          <p:nvPr/>
-        </p:nvSpPr>
-        <p:spPr bwMode="auto">
-          <a:xfrm>
-            <a:off x="829320" y="961496"/>
-            <a:ext cx="8704912" cy="966418"/>
-          </a:xfrm>
-          <a:prstGeom prst="rect">
-            <a:avLst/>
-          </a:prstGeom>
-          <a:noFill/>
-          <a:ln>
-            <a:noFill/>
-          </a:ln>
-          <a:extLst>
-            <a:ext uri="{909E8E84-426E-40dd-AFC4-6F175D3DCCD1}">
-              <a14:hiddenFill xmlns:a14="http://schemas.microsoft.com/office/drawing/2010/main">
-                <a:solidFill>
-                  <a:srgbClr val="FFFFFF"/>
-                </a:solidFill>
-              </a14:hiddenFill>
-            </a:ext>
-            <a:ext uri="{91240B29-F687-4f45-9708-019B960494DF}">
-              <a14:hiddenLine xmlns:a14="http://schemas.microsoft.com/office/drawing/2010/main" w="9525">
-                <a:solidFill>
-                  <a:srgbClr val="000000"/>
-                </a:solidFill>
-                <a:miter lim="800000"/>
-                <a:headEnd/>
-                <a:tailEnd/>
-              </a14:hiddenLine>
-            </a:ext>
-          </a:extLst>
-        </p:spPr>
-        <p:txBody>
-          <a:bodyPr wrap="square">
-            <a:spAutoFit/>
-          </a:bodyPr>
-          <a:lstStyle>
-            <a:lvl1pPr>
-              <a:defRPr sz="2800">
-                <a:solidFill>
-                  <a:schemeClr val="tx1"/>
-                </a:solidFill>
-                <a:latin typeface="Tahoma" charset="0"/>
-                <a:ea typeface="MS PGothic" charset="0"/>
-                <a:cs typeface="MS PGothic" charset="0"/>
-              </a:defRPr>
-            </a:lvl1pPr>
-            <a:lvl2pPr marL="742950" indent="-285750">
-              <a:defRPr>
-                <a:solidFill>
-                  <a:schemeClr val="tx1"/>
-                </a:solidFill>
-                <a:latin typeface="Tahoma" charset="0"/>
-                <a:ea typeface="MS PGothic" charset="0"/>
-                <a:cs typeface="MS PGothic" charset="0"/>
-              </a:defRPr>
-            </a:lvl2pPr>
-            <a:lvl3pPr marL="1143000" indent="-228600">
-              <a:defRPr sz="2300">
-                <a:solidFill>
-                  <a:schemeClr val="tx1"/>
-                </a:solidFill>
-                <a:latin typeface="Tahoma" charset="0"/>
-                <a:ea typeface="MS PGothic" charset="0"/>
-                <a:cs typeface="MS PGothic" charset="0"/>
-              </a:defRPr>
-            </a:lvl3pPr>
-            <a:lvl4pPr marL="1600200" indent="-228600">
-              <a:defRPr sz="2000">
-                <a:solidFill>
-                  <a:schemeClr val="tx1"/>
-                </a:solidFill>
-                <a:latin typeface="Tahoma" charset="0"/>
-                <a:ea typeface="MS PGothic" charset="0"/>
-                <a:cs typeface="MS PGothic" charset="0"/>
-              </a:defRPr>
-            </a:lvl4pPr>
-            <a:lvl5pPr marL="2057400" indent="-228600">
-              <a:defRPr sz="1700">
-                <a:solidFill>
-                  <a:schemeClr val="tx1"/>
-                </a:solidFill>
-                <a:latin typeface="Tahoma" charset="0"/>
-                <a:ea typeface="MS PGothic" charset="0"/>
-                <a:cs typeface="MS PGothic" charset="0"/>
-              </a:defRPr>
-            </a:lvl5pPr>
-            <a:lvl6pPr marL="2514600" indent="-228600">
-              <a:lnSpc>
-                <a:spcPts val="3550"/>
-              </a:lnSpc>
-              <a:buFont typeface="Times" charset="0"/>
-              <a:defRPr sz="1700">
-                <a:solidFill>
-                  <a:schemeClr val="tx1"/>
-                </a:solidFill>
-                <a:latin typeface="Tahoma" charset="0"/>
-                <a:ea typeface="MS PGothic" charset="0"/>
-                <a:cs typeface="MS PGothic" charset="0"/>
-              </a:defRPr>
-            </a:lvl6pPr>
-            <a:lvl7pPr marL="2971800" indent="-228600">
-              <a:lnSpc>
-                <a:spcPts val="3550"/>
-              </a:lnSpc>
-              <a:buFont typeface="Times" charset="0"/>
-              <a:defRPr sz="1700">
-                <a:solidFill>
-                  <a:schemeClr val="tx1"/>
-                </a:solidFill>
-                <a:latin typeface="Tahoma" charset="0"/>
-                <a:ea typeface="MS PGothic" charset="0"/>
-                <a:cs typeface="MS PGothic" charset="0"/>
-              </a:defRPr>
-            </a:lvl7pPr>
-            <a:lvl8pPr marL="3429000" indent="-228600">
-              <a:lnSpc>
-                <a:spcPts val="3550"/>
-              </a:lnSpc>
-              <a:buFont typeface="Times" charset="0"/>
-              <a:defRPr sz="1700">
-                <a:solidFill>
-                  <a:schemeClr val="tx1"/>
-                </a:solidFill>
-                <a:latin typeface="Tahoma" charset="0"/>
-                <a:ea typeface="MS PGothic" charset="0"/>
-                <a:cs typeface="MS PGothic" charset="0"/>
-              </a:defRPr>
-            </a:lvl8pPr>
-            <a:lvl9pPr marL="3886200" indent="-228600">
-              <a:lnSpc>
-                <a:spcPts val="3550"/>
-              </a:lnSpc>
-              <a:buFont typeface="Times" charset="0"/>
-              <a:defRPr sz="1700">
-                <a:solidFill>
-                  <a:schemeClr val="tx1"/>
-                </a:solidFill>
-                <a:latin typeface="Tahoma" charset="0"/>
-                <a:ea typeface="MS PGothic" charset="0"/>
-                <a:cs typeface="MS PGothic" charset="0"/>
-              </a:defRPr>
-            </a:lvl9pPr>
-          </a:lstStyle>
-          <a:p>
-            <a:pPr>
-              <a:lnSpc>
-                <a:spcPct val="120000"/>
-              </a:lnSpc>
-            </a:pPr>
-            <a:r>
-              <a:rPr lang="en-US" sz="2400" dirty="0" smtClean="0">
-                <a:latin typeface="Arial"/>
-                <a:ea typeface="ヒラギノ角ゴ ProN W3" charset="0"/>
-                <a:cs typeface="Arial"/>
-                <a:sym typeface="Tahoma" charset="0"/>
-              </a:rPr>
-              <a:t>Insert </a:t>
-            </a:r>
-            <a:r>
-              <a:rPr lang="en-US" sz="2400" dirty="0" smtClean="0">
-                <a:latin typeface="Arial"/>
-                <a:ea typeface="ヒラギノ角ゴ ProN W3" charset="0"/>
-                <a:cs typeface="Arial"/>
-                <a:sym typeface="Wingdings"/>
-              </a:rPr>
-              <a:t> Photo  Picture from file</a:t>
-            </a:r>
-          </a:p>
-          <a:p>
-            <a:pPr>
-              <a:lnSpc>
-                <a:spcPct val="120000"/>
-              </a:lnSpc>
-            </a:pPr>
-            <a:r>
-              <a:rPr lang="en-US" sz="2400" dirty="0" smtClean="0">
-                <a:latin typeface="Arial"/>
-                <a:ea typeface="ヒラギノ角ゴ ProN W3" charset="0"/>
-                <a:cs typeface="Arial"/>
-                <a:sym typeface="Wingdings"/>
-              </a:rPr>
-              <a:t>Arrange  Send to back  </a:t>
-            </a:r>
-            <a:endParaRPr lang="en-US" sz="2400" i="1" dirty="0">
-              <a:latin typeface="Arial"/>
-              <a:ea typeface="ヒラギノ角ゴ ProN W3" charset="0"/>
-              <a:cs typeface="Arial"/>
-              <a:sym typeface="Tahoma" charset="0"/>
-            </a:endParaRPr>
-          </a:p>
-        </p:txBody>
-      </p:sp>
     </p:spTree>
     <p:extLst>
       <p:ext uri="{BB962C8B-B14F-4D97-AF65-F5344CB8AC3E}">
-        <p14:creationId xmlns:p14="http://schemas.microsoft.com/office/powerpoint/2010/main" val="1756499386"/>
+        <p14:creationId xmlns:p14="http://schemas.microsoft.com/office/powerpoint/2010/main" val="4121518785"/>
       </p:ext>
     </p:extLst>
   </p:cSld>
@@ -3467,86 +3440,66 @@
       </p:grpSpPr>
       <p:sp>
         <p:nvSpPr>
-          <p:cNvPr id="2" name="Rectangle 1"/>
-          <p:cNvSpPr/>
-          <p:nvPr/>
-        </p:nvSpPr>
-        <p:spPr bwMode="auto">
-          <a:xfrm>
-            <a:off x="-122335" y="-91750"/>
-            <a:ext cx="4752528" cy="1023214"/>
-          </a:xfrm>
-          <a:prstGeom prst="rect">
-            <a:avLst/>
-          </a:prstGeom>
-          <a:solidFill>
-            <a:schemeClr val="bg1"/>
-          </a:solidFill>
-          <a:ln w="9525" cap="flat" cmpd="sng" algn="ctr">
-            <a:noFill/>
-            <a:prstDash val="solid"/>
-            <a:round/>
-            <a:headEnd type="none" w="med" len="med"/>
-            <a:tailEnd type="none" w="med" len="med"/>
-          </a:ln>
-          <a:effectLst/>
-        </p:spPr>
-        <p:txBody>
-          <a:bodyPr vert="horz" wrap="square" lIns="91425" tIns="45712" rIns="91425" bIns="45712" numCol="1" rtlCol="0" anchor="t" anchorCtr="0" compatLnSpc="1">
-            <a:prstTxWarp prst="textNoShape">
-              <a:avLst/>
-            </a:prstTxWarp>
-          </a:bodyPr>
-          <a:lstStyle/>
-          <a:p>
-            <a:pPr defTabSz="914260" eaLnBrk="0" hangingPunct="0"/>
-            <a:endParaRPr lang="en-US" sz="2400">
-              <a:solidFill>
-                <a:schemeClr val="tx1"/>
-              </a:solidFill>
-              <a:latin typeface="Arial" charset="0"/>
-              <a:ea typeface="ＭＳ Ｐゴシック" pitchFamily="1" charset="-128"/>
-            </a:endParaRPr>
-          </a:p>
-        </p:txBody>
-      </p:sp>
-      <p:sp>
-        <p:nvSpPr>
-          <p:cNvPr id="3" name="Rectangle 2"/>
-          <p:cNvSpPr/>
+          <p:cNvPr id="3" name="Rectangle 3"/>
+          <p:cNvSpPr txBox="1">
+            <a:spLocks noChangeArrowheads="1"/>
+          </p:cNvSpPr>
           <p:nvPr/>
         </p:nvSpPr>
         <p:spPr>
           <a:xfrm>
-            <a:off x="829320" y="107434"/>
-            <a:ext cx="4123680" cy="646331"/>
+            <a:off x="2144216" y="251969"/>
+            <a:ext cx="9001398" cy="833959"/>
           </a:xfrm>
           <a:prstGeom prst="rect">
             <a:avLst/>
           </a:prstGeom>
         </p:spPr>
         <p:txBody>
-          <a:bodyPr wrap="square">
-            <a:spAutoFit/>
-          </a:bodyPr>
-          <a:lstStyle/>
-          <a:p>
+          <a:bodyPr/>
+          <a:lstStyle>
+            <a:lvl1pPr algn="ctr" defTabSz="457200" rtl="0" eaLnBrk="1" latinLnBrk="0" hangingPunct="1">
+              <a:spcBef>
+                <a:spcPct val="0"/>
+              </a:spcBef>
+              <a:buNone/>
+              <a:defRPr sz="4400" kern="1200">
+                <a:solidFill>
+                  <a:schemeClr val="tx1"/>
+                </a:solidFill>
+                <a:latin typeface="+mj-lt"/>
+                <a:ea typeface="+mj-ea"/>
+                <a:cs typeface="+mj-cs"/>
+              </a:defRPr>
+            </a:lvl1pPr>
+          </a:lstStyle>
+          <a:p>
+            <a:pPr algn="l"/>
             <a:r>
-              <a:rPr lang="en-US" sz="3600" dirty="0">
+              <a:rPr lang="en-US" sz="3600" dirty="0" smtClean="0">
+                <a:solidFill>
+                  <a:srgbClr val="00A6D6"/>
+                </a:solidFill>
                 <a:latin typeface="Arial"/>
-                <a:ea typeface="ヒラギノ角ゴ ProN W3" charset="0"/>
+                <a:ea typeface="MS PGothic" charset="0"/>
                 <a:cs typeface="Arial"/>
-                <a:sym typeface="Tahoma" charset="0"/>
               </a:rPr>
-              <a:t>Insert a picture </a:t>
+              <a:t>Walkthrough</a:t>
             </a:r>
-            <a:endParaRPr lang="en-US" sz="3600" dirty="0"/>
+            <a:endParaRPr lang="en-US" sz="3600" dirty="0" smtClean="0">
+              <a:solidFill>
+                <a:srgbClr val="00A6D6"/>
+              </a:solidFill>
+              <a:latin typeface="Arial"/>
+              <a:ea typeface="MS PGothic" charset="0"/>
+              <a:cs typeface="Arial"/>
+            </a:endParaRPr>
           </a:p>
         </p:txBody>
       </p:sp>
       <p:pic>
         <p:nvPicPr>
-          <p:cNvPr id="5" name="Picture 3" descr="TU_P5#white.eps"/>
+          <p:cNvPr id="4" name="Afbeelding 3" descr="health_informatics_logo copy.jpg"/>
           <p:cNvPicPr>
             <a:picLocks noChangeAspect="1"/>
           </p:cNvPicPr>
@@ -3556,7 +3509,7 @@
           <a:blip r:embed="rId2">
             <a:extLst>
               <a:ext uri="{28A0092B-C50C-407E-A947-70E740481C1C}">
-                <a14:useLocalDpi xmlns:a14="http://schemas.microsoft.com/office/drawing/2010/main"/>
+                <a14:useLocalDpi xmlns:a14="http://schemas.microsoft.com/office/drawing/2010/main" val="0"/>
               </a:ext>
             </a:extLst>
           </a:blip>
@@ -3566,8 +3519,157 @@
         </p:blipFill>
         <p:spPr>
           <a:xfrm>
-            <a:off x="100263" y="5720495"/>
-            <a:ext cx="1368883" cy="843232"/>
+            <a:off x="9392741" y="5038344"/>
+            <a:ext cx="1778000" cy="1097280"/>
+          </a:xfrm>
+          <a:prstGeom prst="rect">
+            <a:avLst/>
+          </a:prstGeom>
+        </p:spPr>
+      </p:pic>
+      <p:pic>
+        <p:nvPicPr>
+          <p:cNvPr id="2" name="Afbeelding 1" descr="Schermafbeelding 2015-06-18 om 11.46.41.png"/>
+          <p:cNvPicPr>
+            <a:picLocks noChangeAspect="1"/>
+          </p:cNvPicPr>
+          <p:nvPr/>
+        </p:nvPicPr>
+        <p:blipFill>
+          <a:blip r:embed="rId3">
+            <a:extLst>
+              <a:ext uri="{28A0092B-C50C-407E-A947-70E740481C1C}">
+                <a14:useLocalDpi xmlns:a14="http://schemas.microsoft.com/office/drawing/2010/main" val="0"/>
+              </a:ext>
+            </a:extLst>
+          </a:blip>
+          <a:stretch>
+            <a:fillRect/>
+          </a:stretch>
+        </p:blipFill>
+        <p:spPr>
+          <a:xfrm>
+            <a:off x="2857500" y="864647"/>
+            <a:ext cx="5898647" cy="5145628"/>
+          </a:xfrm>
+          <a:prstGeom prst="rect">
+            <a:avLst/>
+          </a:prstGeom>
+        </p:spPr>
+      </p:pic>
+    </p:spTree>
+    <p:extLst>
+      <p:ext uri="{BB962C8B-B14F-4D97-AF65-F5344CB8AC3E}">
+        <p14:creationId xmlns:p14="http://schemas.microsoft.com/office/powerpoint/2010/main" val="2594909943"/>
+      </p:ext>
+    </p:extLst>
+  </p:cSld>
+  <p:clrMapOvr>
+    <a:masterClrMapping/>
+  </p:clrMapOvr>
+</p:sld>
+</file>
+
+<file path=ppt/slides/slide9.xml><?xml version="1.0" encoding="utf-8"?>
+<p:sld xmlns:a="http://schemas.openxmlformats.org/drawingml/2006/main" xmlns:r="http://schemas.openxmlformats.org/officeDocument/2006/relationships" xmlns:p="http://schemas.openxmlformats.org/presentationml/2006/main">
+  <p:cSld>
+    <p:spTree>
+      <p:nvGrpSpPr>
+        <p:cNvPr id="1" name=""/>
+        <p:cNvGrpSpPr/>
+        <p:nvPr/>
+      </p:nvGrpSpPr>
+      <p:grpSpPr>
+        <a:xfrm>
+          <a:off x="0" y="0"/>
+          <a:ext cx="0" cy="0"/>
+          <a:chOff x="0" y="0"/>
+          <a:chExt cx="0" cy="0"/>
+        </a:xfrm>
+      </p:grpSpPr>
+      <p:sp>
+        <p:nvSpPr>
+          <p:cNvPr id="3" name="Rectangle 3"/>
+          <p:cNvSpPr txBox="1">
+            <a:spLocks noChangeArrowheads="1"/>
+          </p:cNvSpPr>
+          <p:nvPr/>
+        </p:nvSpPr>
+        <p:spPr>
+          <a:xfrm>
+            <a:off x="2144216" y="251969"/>
+            <a:ext cx="9001398" cy="833959"/>
+          </a:xfrm>
+          <a:prstGeom prst="rect">
+            <a:avLst/>
+          </a:prstGeom>
+        </p:spPr>
+        <p:txBody>
+          <a:bodyPr/>
+          <a:lstStyle>
+            <a:lvl1pPr algn="ctr" defTabSz="457200" rtl="0" eaLnBrk="1" latinLnBrk="0" hangingPunct="1">
+              <a:spcBef>
+                <a:spcPct val="0"/>
+              </a:spcBef>
+              <a:buNone/>
+              <a:defRPr sz="4400" kern="1200">
+                <a:solidFill>
+                  <a:schemeClr val="tx1"/>
+                </a:solidFill>
+                <a:latin typeface="+mj-lt"/>
+                <a:ea typeface="+mj-ea"/>
+                <a:cs typeface="+mj-cs"/>
+              </a:defRPr>
+            </a:lvl1pPr>
+          </a:lstStyle>
+          <a:p>
+            <a:pPr algn="l"/>
+            <a:r>
+              <a:rPr lang="en-US" sz="3600" dirty="0" smtClean="0">
+                <a:solidFill>
+                  <a:srgbClr val="00A6D6"/>
+                </a:solidFill>
+                <a:latin typeface="Arial"/>
+                <a:ea typeface="MS PGothic" charset="0"/>
+                <a:cs typeface="Arial"/>
+              </a:rPr>
+              <a:t>Walkthrough</a:t>
+            </a:r>
+            <a:endParaRPr lang="en-US" sz="3600" dirty="0" smtClean="0">
+              <a:solidFill>
+                <a:srgbClr val="00A6D6"/>
+              </a:solidFill>
+              <a:latin typeface="Arial"/>
+              <a:ea typeface="MS PGothic" charset="0"/>
+              <a:cs typeface="Arial"/>
+            </a:endParaRPr>
+          </a:p>
+        </p:txBody>
+      </p:sp>
+      <p:pic>
+        <p:nvPicPr>
+          <p:cNvPr id="4" name="Afbeelding 3" descr="health_informatics_logo copy.jpg"/>
+          <p:cNvPicPr>
+            <a:picLocks noChangeAspect="1"/>
+          </p:cNvPicPr>
+          <p:nvPr/>
+        </p:nvPicPr>
+        <p:blipFill>
+          <a:blip r:embed="rId2">
+            <a:extLst>
+              <a:ext uri="{28A0092B-C50C-407E-A947-70E740481C1C}">
+                <a14:useLocalDpi xmlns:a14="http://schemas.microsoft.com/office/drawing/2010/main" val="0"/>
+              </a:ext>
+            </a:extLst>
+          </a:blip>
+          <a:stretch>
+            <a:fillRect/>
+          </a:stretch>
+        </p:blipFill>
+        <p:spPr>
+          <a:xfrm>
+            <a:off x="9392741" y="5038344"/>
+            <a:ext cx="1778000" cy="1097280"/>
           </a:xfrm>
           <a:prstGeom prst="rect">
             <a:avLst/>
@@ -3576,209 +3678,42 @@
       </p:pic>
       <p:sp>
         <p:nvSpPr>
-          <p:cNvPr id="7" name="TextBox 2"/>
-          <p:cNvSpPr txBox="1">
-            <a:spLocks noChangeArrowheads="1"/>
-          </p:cNvSpPr>
+          <p:cNvPr id="2" name="Tekstvak 1"/>
+          <p:cNvSpPr txBox="1"/>
           <p:nvPr/>
         </p:nvSpPr>
-        <p:spPr bwMode="auto">
+        <p:spPr>
           <a:xfrm>
-            <a:off x="829320" y="961496"/>
-            <a:ext cx="8704912" cy="966418"/>
+            <a:off x="5219700" y="3009900"/>
+            <a:ext cx="979843" cy="369332"/>
           </a:xfrm>
           <a:prstGeom prst="rect">
             <a:avLst/>
           </a:prstGeom>
           <a:noFill/>
-          <a:ln>
-            <a:noFill/>
-          </a:ln>
-          <a:extLst>
-            <a:ext uri="{909E8E84-426E-40dd-AFC4-6F175D3DCCD1}">
-              <a14:hiddenFill xmlns:a14="http://schemas.microsoft.com/office/drawing/2010/main">
-                <a:solidFill>
-                  <a:srgbClr val="FFFFFF"/>
-                </a:solidFill>
-              </a14:hiddenFill>
-            </a:ext>
-            <a:ext uri="{91240B29-F687-4f45-9708-019B960494DF}">
-              <a14:hiddenLine xmlns:a14="http://schemas.microsoft.com/office/drawing/2010/main" w="9525">
-                <a:solidFill>
-                  <a:srgbClr val="000000"/>
-                </a:solidFill>
-                <a:miter lim="800000"/>
-                <a:headEnd/>
-                <a:tailEnd/>
-              </a14:hiddenLine>
-            </a:ext>
-          </a:extLst>
         </p:spPr>
         <p:txBody>
-          <a:bodyPr wrap="square">
+          <a:bodyPr wrap="none" rtlCol="0">
             <a:spAutoFit/>
           </a:bodyPr>
-          <a:lstStyle>
-            <a:lvl1pPr>
-              <a:defRPr sz="2800">
-                <a:solidFill>
-                  <a:schemeClr val="tx1"/>
-                </a:solidFill>
-                <a:latin typeface="Tahoma" charset="0"/>
-                <a:ea typeface="MS PGothic" charset="0"/>
-                <a:cs typeface="MS PGothic" charset="0"/>
-              </a:defRPr>
-            </a:lvl1pPr>
-            <a:lvl2pPr marL="742950" indent="-285750">
-              <a:defRPr>
-                <a:solidFill>
-                  <a:schemeClr val="tx1"/>
-                </a:solidFill>
-                <a:latin typeface="Tahoma" charset="0"/>
-                <a:ea typeface="MS PGothic" charset="0"/>
-                <a:cs typeface="MS PGothic" charset="0"/>
-              </a:defRPr>
-            </a:lvl2pPr>
-            <a:lvl3pPr marL="1143000" indent="-228600">
-              <a:defRPr sz="2300">
-                <a:solidFill>
-                  <a:schemeClr val="tx1"/>
-                </a:solidFill>
-                <a:latin typeface="Tahoma" charset="0"/>
-                <a:ea typeface="MS PGothic" charset="0"/>
-                <a:cs typeface="MS PGothic" charset="0"/>
-              </a:defRPr>
-            </a:lvl3pPr>
-            <a:lvl4pPr marL="1600200" indent="-228600">
-              <a:defRPr sz="2000">
-                <a:solidFill>
-                  <a:schemeClr val="tx1"/>
-                </a:solidFill>
-                <a:latin typeface="Tahoma" charset="0"/>
-                <a:ea typeface="MS PGothic" charset="0"/>
-                <a:cs typeface="MS PGothic" charset="0"/>
-              </a:defRPr>
-            </a:lvl4pPr>
-            <a:lvl5pPr marL="2057400" indent="-228600">
-              <a:defRPr sz="1700">
-                <a:solidFill>
-                  <a:schemeClr val="tx1"/>
-                </a:solidFill>
-                <a:latin typeface="Tahoma" charset="0"/>
-                <a:ea typeface="MS PGothic" charset="0"/>
-                <a:cs typeface="MS PGothic" charset="0"/>
-              </a:defRPr>
-            </a:lvl5pPr>
-            <a:lvl6pPr marL="2514600" indent="-228600">
-              <a:lnSpc>
-                <a:spcPts val="3550"/>
-              </a:lnSpc>
-              <a:buFont typeface="Times" charset="0"/>
-              <a:defRPr sz="1700">
-                <a:solidFill>
-                  <a:schemeClr val="tx1"/>
-                </a:solidFill>
-                <a:latin typeface="Tahoma" charset="0"/>
-                <a:ea typeface="MS PGothic" charset="0"/>
-                <a:cs typeface="MS PGothic" charset="0"/>
-              </a:defRPr>
-            </a:lvl6pPr>
-            <a:lvl7pPr marL="2971800" indent="-228600">
-              <a:lnSpc>
-                <a:spcPts val="3550"/>
-              </a:lnSpc>
-              <a:buFont typeface="Times" charset="0"/>
-              <a:defRPr sz="1700">
-                <a:solidFill>
-                  <a:schemeClr val="tx1"/>
-                </a:solidFill>
-                <a:latin typeface="Tahoma" charset="0"/>
-                <a:ea typeface="MS PGothic" charset="0"/>
-                <a:cs typeface="MS PGothic" charset="0"/>
-              </a:defRPr>
-            </a:lvl7pPr>
-            <a:lvl8pPr marL="3429000" indent="-228600">
-              <a:lnSpc>
-                <a:spcPts val="3550"/>
-              </a:lnSpc>
-              <a:buFont typeface="Times" charset="0"/>
-              <a:defRPr sz="1700">
-                <a:solidFill>
-                  <a:schemeClr val="tx1"/>
-                </a:solidFill>
-                <a:latin typeface="Tahoma" charset="0"/>
-                <a:ea typeface="MS PGothic" charset="0"/>
-                <a:cs typeface="MS PGothic" charset="0"/>
-              </a:defRPr>
-            </a:lvl8pPr>
-            <a:lvl9pPr marL="3886200" indent="-228600">
-              <a:lnSpc>
-                <a:spcPts val="3550"/>
-              </a:lnSpc>
-              <a:buFont typeface="Times" charset="0"/>
-              <a:defRPr sz="1700">
-                <a:solidFill>
-                  <a:schemeClr val="tx1"/>
-                </a:solidFill>
-                <a:latin typeface="Tahoma" charset="0"/>
-                <a:ea typeface="MS PGothic" charset="0"/>
-                <a:cs typeface="MS PGothic" charset="0"/>
-              </a:defRPr>
-            </a:lvl9pPr>
-          </a:lstStyle>
-          <a:p>
-            <a:pPr>
-              <a:lnSpc>
-                <a:spcPct val="120000"/>
-              </a:lnSpc>
-            </a:pPr>
+          <a:lstStyle/>
+          <a:p>
             <a:r>
-              <a:rPr lang="en-US" sz="2400" dirty="0" smtClean="0">
-                <a:latin typeface="Arial"/>
-                <a:ea typeface="ヒラギノ角ゴ ProN W3" charset="0"/>
-                <a:cs typeface="Arial"/>
-                <a:sym typeface="Tahoma" charset="0"/>
-              </a:rPr>
-              <a:t>Insert </a:t>
+              <a:rPr lang="nl-NL" dirty="0" err="1" smtClean="0"/>
+              <a:t>Etc</a:t>
             </a:r>
             <a:r>
-              <a:rPr lang="en-US" sz="2400" dirty="0" smtClean="0">
-                <a:latin typeface="Arial"/>
-                <a:ea typeface="ヒラギノ角ゴ ProN W3" charset="0"/>
-                <a:cs typeface="Arial"/>
-                <a:sym typeface="Wingdings"/>
-              </a:rPr>
-              <a:t> Photo  Picture from file</a:t>
+              <a:rPr lang="nl-NL" dirty="0" smtClean="0"/>
+              <a:t>……</a:t>
             </a:r>
-          </a:p>
-          <a:p>
-            <a:pPr>
-              <a:lnSpc>
-                <a:spcPct val="120000"/>
-              </a:lnSpc>
-            </a:pPr>
-            <a:r>
-              <a:rPr lang="en-US" sz="2400" dirty="0" smtClean="0">
-                <a:latin typeface="Arial"/>
-                <a:ea typeface="ヒラギノ角ゴ ProN W3" charset="0"/>
-                <a:cs typeface="Arial"/>
-                <a:sym typeface="Wingdings"/>
-              </a:rPr>
-              <a:t>Arrange  Send to back  </a:t>
-            </a:r>
-            <a:endParaRPr lang="en-US" sz="2400" i="1" dirty="0">
-              <a:latin typeface="Arial"/>
-              <a:ea typeface="ヒラギノ角ゴ ProN W3" charset="0"/>
-              <a:cs typeface="Arial"/>
-              <a:sym typeface="Tahoma" charset="0"/>
-            </a:endParaRPr>
+            <a:endParaRPr lang="nl-NL" dirty="0"/>
           </a:p>
         </p:txBody>
       </p:sp>
     </p:spTree>
     <p:extLst>
       <p:ext uri="{BB962C8B-B14F-4D97-AF65-F5344CB8AC3E}">
-        <p14:creationId xmlns:p14="http://schemas.microsoft.com/office/powerpoint/2010/main" val="1201533168"/>
+        <p14:creationId xmlns:p14="http://schemas.microsoft.com/office/powerpoint/2010/main" val="2594909943"/>
       </p:ext>
     </p:extLst>
   </p:cSld>

--- a/docs/presentation/first-try.pptx
+++ b/docs/presentation/first-try.pptx
@@ -1393,65 +1393,6 @@
           <a:chExt cx="0" cy="0"/>
         </a:xfrm>
       </p:grpSpPr>
-      <p:sp>
-        <p:nvSpPr>
-          <p:cNvPr id="3" name="Rectangle 3"/>
-          <p:cNvSpPr txBox="1">
-            <a:spLocks noChangeArrowheads="1"/>
-          </p:cNvSpPr>
-          <p:nvPr/>
-        </p:nvSpPr>
-        <p:spPr>
-          <a:xfrm>
-            <a:off x="2144216" y="251969"/>
-            <a:ext cx="9001398" cy="833959"/>
-          </a:xfrm>
-          <a:prstGeom prst="rect">
-            <a:avLst/>
-          </a:prstGeom>
-        </p:spPr>
-        <p:txBody>
-          <a:bodyPr/>
-          <a:lstStyle>
-            <a:lvl1pPr algn="ctr" defTabSz="457200" rtl="0" eaLnBrk="1" latinLnBrk="0" hangingPunct="1">
-              <a:spcBef>
-                <a:spcPct val="0"/>
-              </a:spcBef>
-              <a:buNone/>
-              <a:defRPr sz="4400" kern="1200">
-                <a:solidFill>
-                  <a:schemeClr val="tx1"/>
-                </a:solidFill>
-                <a:latin typeface="+mj-lt"/>
-                <a:ea typeface="+mj-ea"/>
-                <a:cs typeface="+mj-cs"/>
-              </a:defRPr>
-            </a:lvl1pPr>
-          </a:lstStyle>
-          <a:p>
-            <a:pPr algn="l"/>
-            <a:r>
-              <a:rPr lang="en-US" sz="3600" dirty="0" smtClean="0">
-                <a:solidFill>
-                  <a:srgbClr val="00A6D6"/>
-                </a:solidFill>
-                <a:latin typeface="Arial"/>
-                <a:ea typeface="MS PGothic" charset="0"/>
-                <a:cs typeface="Arial"/>
-              </a:rPr>
-              <a:t>Walkthrough</a:t>
-            </a:r>
-            <a:endParaRPr lang="en-US" sz="3600" dirty="0" smtClean="0">
-              <a:solidFill>
-                <a:srgbClr val="00A6D6"/>
-              </a:solidFill>
-              <a:latin typeface="Arial"/>
-              <a:ea typeface="MS PGothic" charset="0"/>
-              <a:cs typeface="Arial"/>
-            </a:endParaRPr>
-          </a:p>
-        </p:txBody>
-      </p:sp>
       <p:pic>
         <p:nvPicPr>
           <p:cNvPr id="4" name="Afbeelding 3" descr="health_informatics_logo copy.jpg"/>
@@ -1490,7 +1431,7 @@
         </p:nvSpPr>
         <p:spPr>
           <a:xfrm>
-            <a:off x="5511800" y="2354134"/>
+            <a:off x="4375150" y="2265234"/>
             <a:ext cx="2273299" cy="830997"/>
           </a:xfrm>
           <a:prstGeom prst="rect">
